--- a/Template_Presentation_Students.pptx
+++ b/Template_Presentation_Students.pptx
@@ -15,6 +15,7 @@
     <p:sldId id="263" r:id="rId9"/>
     <p:sldId id="264" r:id="rId10"/>
     <p:sldId id="265" r:id="rId11"/>
+    <p:sldId id="266" r:id="rId12"/>
   </p:sldIdLst>
   <p:sldSz cx="12192000" cy="6858000"/>
   <p:notesSz cx="12192000" cy="6858000"/>
@@ -277,7 +278,7 @@
           <a:p>
             <a:fld id="{1D8BD707-D9CF-40AE-B4C6-C98DA3205C09}" type="datetimeFigureOut">
               <a:rPr lang="en-US"/>
-              <a:t>6/29/2024</a:t>
+              <a:t>7/1/2024</a:t>
             </a:fld>
             <a:endParaRPr lang="en-US"/>
           </a:p>
@@ -457,7 +458,7 @@
           <a:p>
             <a:fld id="{1D8BD707-D9CF-40AE-B4C6-C98DA3205C09}" type="datetimeFigureOut">
               <a:rPr lang="en-US"/>
-              <a:t>6/29/2024</a:t>
+              <a:t>7/1/2024</a:t>
             </a:fld>
             <a:endParaRPr lang="en-US"/>
           </a:p>
@@ -680,7 +681,7 @@
           <a:p>
             <a:fld id="{1D8BD707-D9CF-40AE-B4C6-C98DA3205C09}" type="datetimeFigureOut">
               <a:rPr lang="en-US"/>
-              <a:t>6/29/2024</a:t>
+              <a:t>7/1/2024</a:t>
             </a:fld>
             <a:endParaRPr lang="en-US"/>
           </a:p>
@@ -837,7 +838,7 @@
           <a:p>
             <a:fld id="{1D8BD707-D9CF-40AE-B4C6-C98DA3205C09}" type="datetimeFigureOut">
               <a:rPr lang="en-US"/>
-              <a:t>6/29/2024</a:t>
+              <a:t>7/1/2024</a:t>
             </a:fld>
             <a:endParaRPr lang="en-US"/>
           </a:p>
@@ -965,7 +966,7 @@
           <a:p>
             <a:fld id="{1D8BD707-D9CF-40AE-B4C6-C98DA3205C09}" type="datetimeFigureOut">
               <a:rPr lang="en-US"/>
-              <a:t>6/29/2024</a:t>
+              <a:t>7/1/2024</a:t>
             </a:fld>
             <a:endParaRPr lang="en-US"/>
           </a:p>
@@ -1684,7 +1685,7 @@
           <a:p>
             <a:fld id="{1D8BD707-D9CF-40AE-B4C6-C98DA3205C09}" type="datetimeFigureOut">
               <a:rPr lang="en-US"/>
-              <a:t>6/29/2024</a:t>
+              <a:t>7/1/2024</a:t>
             </a:fld>
             <a:endParaRPr lang="en-US"/>
           </a:p>
@@ -2673,6 +2674,113 @@
         </p:txBody>
       </p:sp>
     </p:spTree>
+  </p:cSld>
+  <p:clrMapOvr>
+    <a:masterClrMapping/>
+  </p:clrMapOvr>
+</p:sld>
+</file>
+
+<file path=ppt/slides/slide11.xml><?xml version="1.0" encoding="utf-8"?>
+<p:sld xmlns:a="http://schemas.openxmlformats.org/drawingml/2006/main" xmlns:r="http://schemas.openxmlformats.org/officeDocument/2006/relationships" xmlns:p="http://schemas.openxmlformats.org/presentationml/2006/main">
+  <p:cSld>
+    <p:spTree>
+      <p:nvGrpSpPr>
+        <p:cNvPr id="1" name=""/>
+        <p:cNvGrpSpPr/>
+        <p:nvPr/>
+      </p:nvGrpSpPr>
+      <p:grpSpPr>
+        <a:xfrm>
+          <a:off x="0" y="0"/>
+          <a:ext cx="0" cy="0"/>
+          <a:chOff x="0" y="0"/>
+          <a:chExt cx="0" cy="0"/>
+        </a:xfrm>
+      </p:grpSpPr>
+      <p:sp>
+        <p:nvSpPr>
+          <p:cNvPr id="13" name="object 2"/>
+          <p:cNvSpPr txBox="1"/>
+          <p:nvPr/>
+        </p:nvSpPr>
+        <p:spPr>
+          <a:xfrm>
+            <a:off x="752475" y="6486037"/>
+            <a:ext cx="3590925" cy="166712"/>
+          </a:xfrm>
+          <a:prstGeom prst="rect">
+            <a:avLst/>
+          </a:prstGeom>
+        </p:spPr>
+        <p:txBody>
+          <a:bodyPr vert="horz" wrap="square" lIns="0" tIns="0" rIns="0" bIns="0" rtlCol="0">
+            <a:spAutoFit/>
+          </a:bodyPr>
+          <a:lstStyle/>
+          <a:p>
+            <a:pPr>
+              <a:lnSpc>
+                <a:spcPts val="1275"/>
+              </a:lnSpc>
+            </a:pPr>
+            <a:r>
+              <a:rPr lang="en-US" sz="2000" spc="20" dirty="0" smtClean="0">
+                <a:solidFill>
+                  <a:srgbClr val="2D83C3"/>
+                </a:solidFill>
+                <a:latin typeface="Trebuchet MS"/>
+                <a:cs typeface="Trebuchet MS"/>
+              </a:rPr>
+              <a:t>Done by Praharsha kanaparthi</a:t>
+            </a:r>
+            <a:endParaRPr sz="2000" dirty="0">
+              <a:latin typeface="Trebuchet MS"/>
+              <a:cs typeface="Trebuchet MS"/>
+            </a:endParaRPr>
+          </a:p>
+        </p:txBody>
+      </p:sp>
+      <p:sp>
+        <p:nvSpPr>
+          <p:cNvPr id="3" name="Rectangle 2"/>
+          <p:cNvSpPr/>
+          <p:nvPr/>
+        </p:nvSpPr>
+        <p:spPr>
+          <a:xfrm>
+            <a:off x="457200" y="381000"/>
+            <a:ext cx="8610600" cy="1938992"/>
+          </a:xfrm>
+          <a:prstGeom prst="rect">
+            <a:avLst/>
+          </a:prstGeom>
+        </p:spPr>
+        <p:txBody>
+          <a:bodyPr wrap="square">
+            <a:spAutoFit/>
+          </a:bodyPr>
+          <a:lstStyle/>
+          <a:p>
+            <a:r>
+              <a:rPr lang="en-IN" sz="4000" dirty="0">
+                <a:solidFill>
+                  <a:schemeClr val="tx2">
+                    <a:lumMod val="75000"/>
+                  </a:schemeClr>
+                </a:solidFill>
+              </a:rPr>
+              <a:t>https://github.com/Praharsha-k/Praharsha-k_APSSDC-PROJECT-Steganography-Encoder-Decoder-Bot</a:t>
+            </a:r>
+          </a:p>
+        </p:txBody>
+      </p:sp>
+    </p:spTree>
+    <p:extLst>
+      <p:ext uri="{BB962C8B-B14F-4D97-AF65-F5344CB8AC3E}">
+        <p14:creationId xmlns:p14="http://schemas.microsoft.com/office/powerpoint/2010/main" val="631680544"/>
+      </p:ext>
+    </p:extLst>
   </p:cSld>
   <p:clrMapOvr>
     <a:masterClrMapping/>
